--- a/Project3_B_NonTechnicalPresentation.pptx
+++ b/Project3_B_NonTechnicalPresentation.pptx
@@ -3370,7 +3370,7 @@
       </p:grpSpPr>
       <p:pic>
         <p:nvPicPr>
-          <p:cNvPr id="4" name="Content Placeholder 3" descr="Screen Shot 2020-05-07 at 17.47.32.png"/>
+          <p:cNvPr id="3" name="Content Placeholder 2" descr="Screen Shot 2020-05-11 at 19.23.53.png"/>
           <p:cNvPicPr>
             <a:picLocks noGrp="1" noChangeAspect="1"/>
           </p:cNvPicPr>
@@ -3386,15 +3386,15 @@
               </a:ext>
             </a:extLst>
           </a:blip>
-          <a:srcRect l="5069" r="5069"/>
+          <a:srcRect l="3790" r="3790"/>
           <a:stretch>
             <a:fillRect/>
           </a:stretch>
         </p:blipFill>
         <p:spPr>
           <a:xfrm>
-            <a:off x="457200" y="647700"/>
-            <a:ext cx="8229600" cy="5478463"/>
+            <a:off x="457200" y="311150"/>
+            <a:ext cx="8229600" cy="5815013"/>
           </a:xfrm>
         </p:spPr>
       </p:pic>
@@ -3498,7 +3498,7 @@
                   </a:schemeClr>
                 </a:solidFill>
               </a:rPr>
-              <a:t>87% </a:t>
+              <a:t>62% </a:t>
             </a:r>
             <a:r>
               <a:rPr lang="en-US" dirty="0" smtClean="0"/>
@@ -3525,7 +3525,7 @@
                   <a:srgbClr val="FF0000"/>
                 </a:solidFill>
               </a:rPr>
-              <a:t>93% </a:t>
+              <a:t>58% </a:t>
             </a:r>
             <a:r>
               <a:rPr lang="en-US" dirty="0" smtClean="0"/>
@@ -3610,9 +3610,16 @@
             <p:ph idx="1"/>
           </p:nvPr>
         </p:nvSpPr>
-        <p:spPr/>
-        <p:txBody>
-          <a:bodyPr/>
+        <p:spPr>
+          <a:xfrm>
+            <a:off x="457200" y="1202388"/>
+            <a:ext cx="8229600" cy="5241869"/>
+          </a:xfrm>
+        </p:spPr>
+        <p:txBody>
+          <a:bodyPr>
+            <a:normAutofit lnSpcReduction="10000"/>
+          </a:bodyPr>
           <a:lstStyle/>
           <a:p>
             <a:pPr>
@@ -3621,7 +3628,19 @@
             </a:pPr>
             <a:r>
               <a:rPr lang="en-US" dirty="0" smtClean="0"/>
-              <a:t>Net cash financing and Net borrowings are strong predictors for net cash profit</a:t>
+              <a:t>Net cash financing and Net borrowings are strong predictors for </a:t>
+            </a:r>
+            <a:r>
+              <a:rPr lang="en-US" dirty="0" smtClean="0"/>
+              <a:t>positive net </a:t>
+            </a:r>
+            <a:r>
+              <a:rPr lang="en-US" dirty="0" smtClean="0"/>
+              <a:t>cash </a:t>
+            </a:r>
+            <a:r>
+              <a:rPr lang="en-US" dirty="0" smtClean="0"/>
+              <a:t>profit</a:t>
             </a:r>
           </a:p>
           <a:p>
@@ -3630,8 +3649,47 @@
               <a:buChar char="-"/>
             </a:pPr>
             <a:r>
+              <a:rPr lang="en-US" dirty="0"/>
+              <a:t>Net cash </a:t>
+            </a:r>
+            <a:r>
               <a:rPr lang="en-US" dirty="0" smtClean="0"/>
-              <a:t> The accuracy of this model has very strong balance for both positive and negative net cash flow prediction</a:t>
+              <a:t>flow operating is a strong predictor </a:t>
+            </a:r>
+            <a:r>
+              <a:rPr lang="en-US" dirty="0"/>
+              <a:t>for positive </a:t>
+            </a:r>
+            <a:r>
+              <a:rPr lang="en-US" dirty="0" smtClean="0"/>
+              <a:t>negative net </a:t>
+            </a:r>
+            <a:r>
+              <a:rPr lang="en-US" dirty="0"/>
+              <a:t>cash </a:t>
+            </a:r>
+            <a:r>
+              <a:rPr lang="en-US" dirty="0" smtClean="0"/>
+              <a:t>profit</a:t>
+            </a:r>
+            <a:endParaRPr lang="en-US" dirty="0" smtClean="0"/>
+          </a:p>
+          <a:p>
+            <a:pPr>
+              <a:buFontTx/>
+              <a:buChar char="-"/>
+            </a:pPr>
+            <a:r>
+              <a:rPr lang="en-US" dirty="0" smtClean="0"/>
+              <a:t> The accuracy of this model </a:t>
+            </a:r>
+            <a:r>
+              <a:rPr lang="en-US" dirty="0" smtClean="0"/>
+              <a:t>has above average balance </a:t>
+            </a:r>
+            <a:r>
+              <a:rPr lang="en-US" dirty="0" smtClean="0"/>
+              <a:t>for both positive and negative net cash flow prediction</a:t>
             </a:r>
           </a:p>
           <a:p>
@@ -3722,9 +3780,16 @@
             <p:ph idx="1"/>
           </p:nvPr>
         </p:nvSpPr>
-        <p:spPr/>
-        <p:txBody>
-          <a:bodyPr/>
+        <p:spPr>
+          <a:xfrm>
+            <a:off x="457200" y="1417638"/>
+            <a:ext cx="8229600" cy="4708525"/>
+          </a:xfrm>
+        </p:spPr>
+        <p:txBody>
+          <a:bodyPr>
+            <a:normAutofit fontScale="92500"/>
+          </a:bodyPr>
           <a:lstStyle/>
           <a:p>
             <a:endParaRPr lang="en-US" dirty="0" smtClean="0"/>
@@ -3746,17 +3811,56 @@
                   <a:srgbClr val="7F7F7F"/>
                 </a:solidFill>
               </a:rPr>
-              <a:t>Indicator data including for example Momentum and Moving Average values</a:t>
-            </a:r>
-          </a:p>
-          <a:p>
+              <a:t>Indicator data including for example Momentum and Moving Average </a:t>
+            </a:r>
             <a:r>
               <a:rPr lang="en-US" dirty="0" smtClean="0">
                 <a:solidFill>
                   <a:srgbClr val="7F7F7F"/>
                 </a:solidFill>
               </a:rPr>
-              <a:t>Security clustering of data / Further classification of companies depending on industry</a:t>
+              <a:t>values on stock price</a:t>
+            </a:r>
+            <a:endParaRPr lang="en-US" dirty="0" smtClean="0">
+              <a:solidFill>
+                <a:srgbClr val="7F7F7F"/>
+              </a:solidFill>
+            </a:endParaRPr>
+          </a:p>
+          <a:p>
+            <a:r>
+              <a:rPr lang="en-US" dirty="0" smtClean="0">
+                <a:solidFill>
+                  <a:srgbClr val="7F7F7F"/>
+                </a:solidFill>
+              </a:rPr>
+              <a:t>Categorizing of </a:t>
+            </a:r>
+            <a:r>
+              <a:rPr lang="en-US" dirty="0" smtClean="0">
+                <a:solidFill>
+                  <a:srgbClr val="7F7F7F"/>
+                </a:solidFill>
+              </a:rPr>
+              <a:t>data / Further classification of companies depending on </a:t>
+            </a:r>
+            <a:r>
+              <a:rPr lang="en-US" dirty="0" smtClean="0">
+                <a:solidFill>
+                  <a:srgbClr val="7F7F7F"/>
+                </a:solidFill>
+              </a:rPr>
+              <a:t>industry</a:t>
+            </a:r>
+          </a:p>
+          <a:p>
+            <a:r>
+              <a:rPr lang="en-US" dirty="0" smtClean="0">
+                <a:solidFill>
+                  <a:srgbClr val="7F7F7F"/>
+                </a:solidFill>
+              </a:rPr>
+              <a:t>Further modeling algorithms on the data to find a stronger predictive performance</a:t>
             </a:r>
             <a:endParaRPr lang="en-US" dirty="0">
               <a:solidFill>

--- a/Project3_B_NonTechnicalPresentation.pptx
+++ b/Project3_B_NonTechnicalPresentation.pptx
@@ -8,11 +8,12 @@
     <p:sldId id="256" r:id="rId2"/>
     <p:sldId id="257" r:id="rId3"/>
     <p:sldId id="258" r:id="rId4"/>
-    <p:sldId id="259" r:id="rId5"/>
+    <p:sldId id="264" r:id="rId5"/>
     <p:sldId id="260" r:id="rId6"/>
-    <p:sldId id="261" r:id="rId7"/>
-    <p:sldId id="262" r:id="rId8"/>
-    <p:sldId id="263" r:id="rId9"/>
+    <p:sldId id="259" r:id="rId7"/>
+    <p:sldId id="261" r:id="rId8"/>
+    <p:sldId id="262" r:id="rId9"/>
+    <p:sldId id="263" r:id="rId10"/>
   </p:sldIdLst>
   <p:sldSz cx="9144000" cy="6858000" type="screen4x3"/>
   <p:notesSz cx="6858000" cy="9144000"/>
@@ -3173,6 +3174,13 @@
   <p:clrMapOvr>
     <a:masterClrMapping/>
   </p:clrMapOvr>
+  <p:timing>
+    <p:tnLst>
+      <p:par>
+        <p:cTn xmlns:p14="http://schemas.microsoft.com/office/powerpoint/2010/main" id="1" dur="indefinite" restart="never" nodeType="tmRoot"/>
+      </p:par>
+    </p:tnLst>
+  </p:timing>
 </p:sld>
 </file>
 
@@ -3265,6 +3273,13 @@
   <p:clrMapOvr>
     <a:masterClrMapping/>
   </p:clrMapOvr>
+  <p:timing>
+    <p:tnLst>
+      <p:par>
+        <p:cTn xmlns:p14="http://schemas.microsoft.com/office/powerpoint/2010/main" id="1" dur="indefinite" restart="never" nodeType="tmRoot"/>
+      </p:par>
+    </p:tnLst>
+  </p:timing>
 </p:sld>
 </file>
 
@@ -3302,7 +3317,11 @@
           <a:p>
             <a:r>
               <a:rPr lang="en-US" dirty="0" smtClean="0"/>
-              <a:t>Which features increase predictive power on Positive Net Cash Flow</a:t>
+              <a:t>Which features increase predictive power on Positive Net Cash </a:t>
+            </a:r>
+            <a:r>
+              <a:rPr lang="en-US" dirty="0" smtClean="0"/>
+              <a:t>Flow?</a:t>
             </a:r>
             <a:endParaRPr lang="en-US" dirty="0"/>
           </a:p>
@@ -3348,10 +3367,407 @@
   <p:clrMapOvr>
     <a:masterClrMapping/>
   </p:clrMapOvr>
+  <p:timing>
+    <p:tnLst>
+      <p:par>
+        <p:cTn xmlns:p14="http://schemas.microsoft.com/office/powerpoint/2010/main" id="1" dur="indefinite" restart="never" nodeType="tmRoot"/>
+      </p:par>
+    </p:tnLst>
+  </p:timing>
 </p:sld>
 </file>
 
 <file path=ppt/slides/slide4.xml><?xml version="1.0" encoding="utf-8"?>
+<p:sld xmlns:a="http://schemas.openxmlformats.org/drawingml/2006/main" xmlns:r="http://schemas.openxmlformats.org/officeDocument/2006/relationships" xmlns:p="http://schemas.openxmlformats.org/presentationml/2006/main">
+  <p:cSld>
+    <p:spTree>
+      <p:nvGrpSpPr>
+        <p:cNvPr id="1" name=""/>
+        <p:cNvGrpSpPr/>
+        <p:nvPr/>
+      </p:nvGrpSpPr>
+      <p:grpSpPr>
+        <a:xfrm>
+          <a:off x="0" y="0"/>
+          <a:ext cx="0" cy="0"/>
+          <a:chOff x="0" y="0"/>
+          <a:chExt cx="0" cy="0"/>
+        </a:xfrm>
+      </p:grpSpPr>
+      <p:sp>
+        <p:nvSpPr>
+          <p:cNvPr id="3" name="Content Placeholder 2"/>
+          <p:cNvSpPr>
+            <a:spLocks noGrp="1"/>
+          </p:cNvSpPr>
+          <p:nvPr>
+            <p:ph idx="1"/>
+          </p:nvPr>
+        </p:nvSpPr>
+        <p:spPr>
+          <a:xfrm>
+            <a:off x="457200" y="405300"/>
+            <a:ext cx="8229600" cy="5720864"/>
+          </a:xfrm>
+        </p:spPr>
+        <p:txBody>
+          <a:bodyPr>
+            <a:normAutofit/>
+          </a:bodyPr>
+          <a:lstStyle/>
+          <a:p>
+            <a:pPr marL="0" indent="0" algn="ctr">
+              <a:buNone/>
+            </a:pPr>
+            <a:r>
+              <a:rPr lang="en-US" dirty="0" smtClean="0">
+                <a:solidFill>
+                  <a:srgbClr val="7F7F7F"/>
+                </a:solidFill>
+              </a:rPr>
+              <a:t>Models Used</a:t>
+            </a:r>
+            <a:endParaRPr lang="en-GB" dirty="0"/>
+          </a:p>
+          <a:p>
+            <a:r>
+              <a:rPr lang="en-GB" b="1" dirty="0"/>
+              <a:t>Decision Trees</a:t>
+            </a:r>
+            <a:r>
+              <a:rPr lang="en-GB" dirty="0"/>
+              <a:t> are a type of Supervised Machine Learning (that is you explain what the input is and what the corresponding output is in the training data) where the data is continuously split according to a certain parameter</a:t>
+            </a:r>
+            <a:r>
+              <a:rPr lang="en-GB" dirty="0" smtClean="0"/>
+              <a:t>.</a:t>
+            </a:r>
+          </a:p>
+          <a:p>
+            <a:r>
+              <a:rPr lang="en-US" dirty="0" smtClean="0"/>
+              <a:t>This model tests all </a:t>
+            </a:r>
+            <a:r>
+              <a:rPr lang="en-US" dirty="0"/>
+              <a:t>the different features </a:t>
+            </a:r>
+            <a:r>
+              <a:rPr lang="en-US" dirty="0" smtClean="0"/>
+              <a:t>of the data to </a:t>
+            </a:r>
+            <a:r>
+              <a:rPr lang="en-US" dirty="0"/>
+              <a:t>see which </a:t>
+            </a:r>
+            <a:r>
+              <a:rPr lang="en-US" dirty="0" smtClean="0"/>
+              <a:t>are </a:t>
+            </a:r>
+            <a:r>
+              <a:rPr lang="en-US" dirty="0"/>
+              <a:t>best to split </a:t>
+            </a:r>
+            <a:r>
+              <a:rPr lang="en-US" dirty="0" smtClean="0"/>
+              <a:t> with a number of different approaches – </a:t>
+            </a:r>
+            <a:r>
+              <a:rPr lang="en-US" dirty="0"/>
+              <a:t>resulting in feature </a:t>
+            </a:r>
+            <a:r>
+              <a:rPr lang="en-US" dirty="0" smtClean="0"/>
+              <a:t>importance.</a:t>
+            </a:r>
+            <a:endParaRPr lang="en-US" dirty="0"/>
+          </a:p>
+          <a:p>
+            <a:endParaRPr lang="en-GB" dirty="0"/>
+          </a:p>
+        </p:txBody>
+      </p:sp>
+    </p:spTree>
+    <p:extLst>
+      <p:ext uri="{BB962C8B-B14F-4D97-AF65-F5344CB8AC3E}">
+        <p14:creationId xmlns:p14="http://schemas.microsoft.com/office/powerpoint/2010/main" val="966888768"/>
+      </p:ext>
+    </p:extLst>
+  </p:cSld>
+  <p:clrMapOvr>
+    <a:masterClrMapping/>
+  </p:clrMapOvr>
+  <p:timing>
+    <p:tnLst>
+      <p:par>
+        <p:cTn xmlns:p14="http://schemas.microsoft.com/office/powerpoint/2010/main" id="1" dur="indefinite" restart="never" nodeType="tmRoot"/>
+      </p:par>
+    </p:tnLst>
+  </p:timing>
+</p:sld>
+</file>
+
+<file path=ppt/slides/slide5.xml><?xml version="1.0" encoding="utf-8"?>
+<p:sld xmlns:a="http://schemas.openxmlformats.org/drawingml/2006/main" xmlns:r="http://schemas.openxmlformats.org/officeDocument/2006/relationships" xmlns:p="http://schemas.openxmlformats.org/presentationml/2006/main">
+  <p:cSld>
+    <p:spTree>
+      <p:nvGrpSpPr>
+        <p:cNvPr id="1" name=""/>
+        <p:cNvGrpSpPr/>
+        <p:nvPr/>
+      </p:nvGrpSpPr>
+      <p:grpSpPr>
+        <a:xfrm>
+          <a:off x="0" y="0"/>
+          <a:ext cx="0" cy="0"/>
+          <a:chOff x="0" y="0"/>
+          <a:chExt cx="0" cy="0"/>
+        </a:xfrm>
+      </p:grpSpPr>
+      <p:sp>
+        <p:nvSpPr>
+          <p:cNvPr id="2" name="Title 1"/>
+          <p:cNvSpPr>
+            <a:spLocks noGrp="1"/>
+          </p:cNvSpPr>
+          <p:nvPr>
+            <p:ph type="title"/>
+          </p:nvPr>
+        </p:nvSpPr>
+        <p:spPr/>
+        <p:txBody>
+          <a:bodyPr/>
+          <a:lstStyle/>
+          <a:p>
+            <a:r>
+              <a:rPr lang="en-US" b="1" dirty="0" smtClean="0">
+                <a:solidFill>
+                  <a:srgbClr val="7F7F7F"/>
+                </a:solidFill>
+              </a:rPr>
+              <a:t>Accuracy of model</a:t>
+            </a:r>
+            <a:endParaRPr lang="en-US" b="1" dirty="0">
+              <a:solidFill>
+                <a:srgbClr val="7F7F7F"/>
+              </a:solidFill>
+            </a:endParaRPr>
+          </a:p>
+        </p:txBody>
+      </p:sp>
+      <p:sp>
+        <p:nvSpPr>
+          <p:cNvPr id="3" name="Content Placeholder 2"/>
+          <p:cNvSpPr>
+            <a:spLocks noGrp="1"/>
+          </p:cNvSpPr>
+          <p:nvPr>
+            <p:ph idx="1"/>
+          </p:nvPr>
+        </p:nvSpPr>
+        <p:spPr>
+          <a:xfrm>
+            <a:off x="457200" y="1600200"/>
+            <a:ext cx="8229600" cy="4952137"/>
+          </a:xfrm>
+        </p:spPr>
+        <p:txBody>
+          <a:bodyPr>
+            <a:normAutofit/>
+          </a:bodyPr>
+          <a:lstStyle/>
+          <a:p>
+            <a:pPr marL="0" indent="0">
+              <a:buNone/>
+            </a:pPr>
+            <a:r>
+              <a:rPr lang="en-US" dirty="0" smtClean="0"/>
+              <a:t>	</a:t>
+            </a:r>
+          </a:p>
+          <a:p>
+            <a:pPr marL="0" indent="0">
+              <a:buNone/>
+            </a:pPr>
+            <a:r>
+              <a:rPr lang="en-US" dirty="0"/>
+              <a:t>	</a:t>
+            </a:r>
+            <a:endParaRPr lang="en-US" dirty="0" smtClean="0"/>
+          </a:p>
+          <a:p>
+            <a:pPr marL="0" indent="0">
+              <a:buNone/>
+            </a:pPr>
+            <a:endParaRPr lang="en-US" b="1" dirty="0">
+              <a:solidFill>
+                <a:schemeClr val="accent3">
+                  <a:lumMod val="75000"/>
+                </a:schemeClr>
+              </a:solidFill>
+            </a:endParaRPr>
+          </a:p>
+          <a:p>
+            <a:pPr marL="0" indent="0">
+              <a:buNone/>
+            </a:pPr>
+            <a:r>
+              <a:rPr lang="en-US" b="1" dirty="0" smtClean="0">
+                <a:solidFill>
+                  <a:schemeClr val="accent3">
+                    <a:lumMod val="75000"/>
+                  </a:schemeClr>
+                </a:solidFill>
+              </a:rPr>
+              <a:t>	</a:t>
+            </a:r>
+          </a:p>
+          <a:p>
+            <a:pPr marL="0" indent="0">
+              <a:buNone/>
+            </a:pPr>
+            <a:r>
+              <a:rPr lang="en-US" sz="2400" b="1" dirty="0" smtClean="0">
+                <a:solidFill>
+                  <a:schemeClr val="accent3">
+                    <a:lumMod val="75000"/>
+                  </a:schemeClr>
+                </a:solidFill>
+              </a:rPr>
+              <a:t>	</a:t>
+            </a:r>
+          </a:p>
+          <a:p>
+            <a:pPr marL="0" indent="0">
+              <a:buNone/>
+            </a:pPr>
+            <a:endParaRPr lang="en-US" sz="2400" b="1" dirty="0">
+              <a:solidFill>
+                <a:schemeClr val="accent3">
+                  <a:lumMod val="75000"/>
+                </a:schemeClr>
+              </a:solidFill>
+            </a:endParaRPr>
+          </a:p>
+          <a:p>
+            <a:pPr marL="0" indent="0">
+              <a:buNone/>
+            </a:pPr>
+            <a:r>
+              <a:rPr lang="en-US" sz="2400" b="1" dirty="0" smtClean="0">
+                <a:solidFill>
+                  <a:schemeClr val="accent3">
+                    <a:lumMod val="75000"/>
+                  </a:schemeClr>
+                </a:solidFill>
+              </a:rPr>
+              <a:t>	62% </a:t>
+            </a:r>
+            <a:r>
+              <a:rPr lang="en-US" sz="2400" dirty="0" smtClean="0"/>
+              <a:t>chance of </a:t>
+            </a:r>
+            <a:r>
+              <a:rPr lang="en-US" sz="2400" dirty="0" smtClean="0"/>
+              <a:t>a correct </a:t>
+            </a:r>
+            <a:r>
+              <a:rPr lang="en-US" sz="2400" dirty="0" smtClean="0"/>
+              <a:t>positive net cash flow 	prediction</a:t>
+            </a:r>
+          </a:p>
+          <a:p>
+            <a:pPr marL="0" indent="0">
+              <a:buNone/>
+            </a:pPr>
+            <a:endParaRPr lang="en-US" sz="2400" dirty="0"/>
+          </a:p>
+          <a:p>
+            <a:pPr marL="0" indent="0">
+              <a:buNone/>
+            </a:pPr>
+            <a:r>
+              <a:rPr lang="en-US" sz="2400" dirty="0" smtClean="0"/>
+              <a:t>	</a:t>
+            </a:r>
+            <a:r>
+              <a:rPr lang="en-US" sz="2400" b="1" dirty="0" smtClean="0">
+                <a:solidFill>
+                  <a:srgbClr val="FF0000"/>
+                </a:solidFill>
+              </a:rPr>
+              <a:t>58% </a:t>
+            </a:r>
+            <a:r>
+              <a:rPr lang="en-US" sz="2400" dirty="0" smtClean="0"/>
+              <a:t>chance of a </a:t>
+            </a:r>
+            <a:r>
+              <a:rPr lang="en-US" sz="2400" dirty="0" smtClean="0"/>
+              <a:t>correct negative </a:t>
+            </a:r>
+            <a:r>
+              <a:rPr lang="en-US" sz="2400" dirty="0" smtClean="0"/>
+              <a:t>net cash flow 	</a:t>
+            </a:r>
+            <a:r>
+              <a:rPr lang="en-US" sz="2400" dirty="0" smtClean="0"/>
+              <a:t>prediction</a:t>
+            </a:r>
+          </a:p>
+        </p:txBody>
+      </p:sp>
+      <p:pic>
+        <p:nvPicPr>
+          <p:cNvPr id="4" name="Picture 3" descr="Screen Shot 2020-05-12 at 21.41.48.png"/>
+          <p:cNvPicPr>
+            <a:picLocks noChangeAspect="1"/>
+          </p:cNvPicPr>
+          <p:nvPr/>
+        </p:nvPicPr>
+        <p:blipFill>
+          <a:blip r:embed="rId2">
+            <a:extLst>
+              <a:ext uri="{28A0092B-C50C-407E-A947-70E740481C1C}">
+                <a14:useLocalDpi xmlns:a14="http://schemas.microsoft.com/office/drawing/2010/main" val="0"/>
+              </a:ext>
+            </a:extLst>
+          </a:blip>
+          <a:stretch>
+            <a:fillRect/>
+          </a:stretch>
+        </p:blipFill>
+        <p:spPr>
+          <a:xfrm>
+            <a:off x="999861" y="1705040"/>
+            <a:ext cx="7349821" cy="2847821"/>
+          </a:xfrm>
+          <a:prstGeom prst="rect">
+            <a:avLst/>
+          </a:prstGeom>
+        </p:spPr>
+      </p:pic>
+    </p:spTree>
+    <p:extLst>
+      <p:ext uri="{BB962C8B-B14F-4D97-AF65-F5344CB8AC3E}">
+        <p14:creationId xmlns:p14="http://schemas.microsoft.com/office/powerpoint/2010/main" val="3034281505"/>
+      </p:ext>
+    </p:extLst>
+  </p:cSld>
+  <p:clrMapOvr>
+    <a:masterClrMapping/>
+  </p:clrMapOvr>
+  <p:timing>
+    <p:tnLst>
+      <p:par>
+        <p:cTn xmlns:p14="http://schemas.microsoft.com/office/powerpoint/2010/main" id="1" dur="indefinite" restart="never" nodeType="tmRoot"/>
+      </p:par>
+    </p:tnLst>
+  </p:timing>
+</p:sld>
+</file>
+
+<file path=ppt/slides/slide6.xml><?xml version="1.0" encoding="utf-8"?>
 <p:sld xmlns:a="http://schemas.openxmlformats.org/drawingml/2006/main" xmlns:r="http://schemas.openxmlformats.org/officeDocument/2006/relationships" xmlns:p="http://schemas.openxmlformats.org/presentationml/2006/main">
   <p:cSld>
     <p:spTree>
@@ -3408,313 +3824,13 @@
   <p:clrMapOvr>
     <a:masterClrMapping/>
   </p:clrMapOvr>
-</p:sld>
-</file>
-
-<file path=ppt/slides/slide5.xml><?xml version="1.0" encoding="utf-8"?>
-<p:sld xmlns:a="http://schemas.openxmlformats.org/drawingml/2006/main" xmlns:r="http://schemas.openxmlformats.org/officeDocument/2006/relationships" xmlns:p="http://schemas.openxmlformats.org/presentationml/2006/main">
-  <p:cSld>
-    <p:spTree>
-      <p:nvGrpSpPr>
-        <p:cNvPr id="1" name=""/>
-        <p:cNvGrpSpPr/>
-        <p:nvPr/>
-      </p:nvGrpSpPr>
-      <p:grpSpPr>
-        <a:xfrm>
-          <a:off x="0" y="0"/>
-          <a:ext cx="0" cy="0"/>
-          <a:chOff x="0" y="0"/>
-          <a:chExt cx="0" cy="0"/>
-        </a:xfrm>
-      </p:grpSpPr>
-      <p:sp>
-        <p:nvSpPr>
-          <p:cNvPr id="2" name="Title 1"/>
-          <p:cNvSpPr>
-            <a:spLocks noGrp="1"/>
-          </p:cNvSpPr>
-          <p:nvPr>
-            <p:ph type="title"/>
-          </p:nvPr>
-        </p:nvSpPr>
-        <p:spPr/>
-        <p:txBody>
-          <a:bodyPr/>
-          <a:lstStyle/>
-          <a:p>
-            <a:r>
-              <a:rPr lang="en-US" b="1" dirty="0" smtClean="0">
-                <a:solidFill>
-                  <a:srgbClr val="7F7F7F"/>
-                </a:solidFill>
-              </a:rPr>
-              <a:t>Accuracy of model</a:t>
-            </a:r>
-            <a:endParaRPr lang="en-US" b="1" dirty="0">
-              <a:solidFill>
-                <a:srgbClr val="7F7F7F"/>
-              </a:solidFill>
-            </a:endParaRPr>
-          </a:p>
-        </p:txBody>
-      </p:sp>
-      <p:sp>
-        <p:nvSpPr>
-          <p:cNvPr id="3" name="Content Placeholder 2"/>
-          <p:cNvSpPr>
-            <a:spLocks noGrp="1"/>
-          </p:cNvSpPr>
-          <p:nvPr>
-            <p:ph idx="1"/>
-          </p:nvPr>
-        </p:nvSpPr>
-        <p:spPr/>
-        <p:txBody>
-          <a:bodyPr/>
-          <a:lstStyle/>
-          <a:p>
-            <a:pPr marL="0" indent="0">
-              <a:buNone/>
-            </a:pPr>
-            <a:r>
-              <a:rPr lang="en-US" dirty="0" smtClean="0"/>
-              <a:t>	</a:t>
-            </a:r>
-          </a:p>
-          <a:p>
-            <a:pPr marL="0" indent="0">
-              <a:buNone/>
-            </a:pPr>
-            <a:r>
-              <a:rPr lang="en-US" dirty="0"/>
-              <a:t>	</a:t>
-            </a:r>
-            <a:r>
-              <a:rPr lang="en-US" b="1" dirty="0" smtClean="0">
-                <a:solidFill>
-                  <a:schemeClr val="accent3">
-                    <a:lumMod val="75000"/>
-                  </a:schemeClr>
-                </a:solidFill>
-              </a:rPr>
-              <a:t>62% </a:t>
-            </a:r>
-            <a:r>
-              <a:rPr lang="en-US" dirty="0" smtClean="0"/>
-              <a:t>chance of a positive net cash flow 	prediction</a:t>
-            </a:r>
-          </a:p>
-          <a:p>
-            <a:pPr marL="0" indent="0">
-              <a:buNone/>
-            </a:pPr>
-            <a:endParaRPr lang="en-US" dirty="0"/>
-          </a:p>
-          <a:p>
-            <a:pPr marL="0" indent="0">
-              <a:buNone/>
-            </a:pPr>
-            <a:r>
-              <a:rPr lang="en-US" dirty="0" smtClean="0"/>
-              <a:t>	</a:t>
-            </a:r>
-            <a:r>
-              <a:rPr lang="en-US" b="1" dirty="0" smtClean="0">
-                <a:solidFill>
-                  <a:srgbClr val="FF0000"/>
-                </a:solidFill>
-              </a:rPr>
-              <a:t>58% </a:t>
-            </a:r>
-            <a:r>
-              <a:rPr lang="en-US" dirty="0" smtClean="0"/>
-              <a:t>chance of a negative net cash flow 	prediction</a:t>
-            </a:r>
-            <a:endParaRPr lang="en-US" dirty="0"/>
-          </a:p>
-        </p:txBody>
-      </p:sp>
-    </p:spTree>
-    <p:extLst>
-      <p:ext uri="{BB962C8B-B14F-4D97-AF65-F5344CB8AC3E}">
-        <p14:creationId xmlns:p14="http://schemas.microsoft.com/office/powerpoint/2010/main" val="3034281505"/>
-      </p:ext>
-    </p:extLst>
-  </p:cSld>
-  <p:clrMapOvr>
-    <a:masterClrMapping/>
-  </p:clrMapOvr>
-</p:sld>
-</file>
-
-<file path=ppt/slides/slide6.xml><?xml version="1.0" encoding="utf-8"?>
-<p:sld xmlns:a="http://schemas.openxmlformats.org/drawingml/2006/main" xmlns:r="http://schemas.openxmlformats.org/officeDocument/2006/relationships" xmlns:p="http://schemas.openxmlformats.org/presentationml/2006/main">
-  <p:cSld>
-    <p:spTree>
-      <p:nvGrpSpPr>
-        <p:cNvPr id="1" name=""/>
-        <p:cNvGrpSpPr/>
-        <p:nvPr/>
-      </p:nvGrpSpPr>
-      <p:grpSpPr>
-        <a:xfrm>
-          <a:off x="0" y="0"/>
-          <a:ext cx="0" cy="0"/>
-          <a:chOff x="0" y="0"/>
-          <a:chExt cx="0" cy="0"/>
-        </a:xfrm>
-      </p:grpSpPr>
-      <p:sp>
-        <p:nvSpPr>
-          <p:cNvPr id="2" name="Title 1"/>
-          <p:cNvSpPr>
-            <a:spLocks noGrp="1"/>
-          </p:cNvSpPr>
-          <p:nvPr>
-            <p:ph type="title"/>
-          </p:nvPr>
-        </p:nvSpPr>
-        <p:spPr/>
-        <p:txBody>
-          <a:bodyPr/>
-          <a:lstStyle/>
-          <a:p>
-            <a:r>
-              <a:rPr lang="en-US" b="1" dirty="0" smtClean="0">
-                <a:solidFill>
-                  <a:schemeClr val="bg1">
-                    <a:lumMod val="50000"/>
-                  </a:schemeClr>
-                </a:solidFill>
-              </a:rPr>
-              <a:t>Recommendations</a:t>
-            </a:r>
-            <a:endParaRPr lang="en-US" b="1" dirty="0">
-              <a:solidFill>
-                <a:schemeClr val="bg1">
-                  <a:lumMod val="50000"/>
-                </a:schemeClr>
-              </a:solidFill>
-            </a:endParaRPr>
-          </a:p>
-        </p:txBody>
-      </p:sp>
-      <p:sp>
-        <p:nvSpPr>
-          <p:cNvPr id="3" name="Content Placeholder 2"/>
-          <p:cNvSpPr>
-            <a:spLocks noGrp="1"/>
-          </p:cNvSpPr>
-          <p:nvPr>
-            <p:ph idx="1"/>
-          </p:nvPr>
-        </p:nvSpPr>
-        <p:spPr>
-          <a:xfrm>
-            <a:off x="457200" y="1202388"/>
-            <a:ext cx="8229600" cy="5241869"/>
-          </a:xfrm>
-        </p:spPr>
-        <p:txBody>
-          <a:bodyPr>
-            <a:normAutofit lnSpcReduction="10000"/>
-          </a:bodyPr>
-          <a:lstStyle/>
-          <a:p>
-            <a:pPr>
-              <a:buFontTx/>
-              <a:buChar char="-"/>
-            </a:pPr>
-            <a:r>
-              <a:rPr lang="en-US" dirty="0" smtClean="0"/>
-              <a:t>Net cash financing and Net borrowings are strong predictors for </a:t>
-            </a:r>
-            <a:r>
-              <a:rPr lang="en-US" dirty="0" smtClean="0"/>
-              <a:t>positive net </a:t>
-            </a:r>
-            <a:r>
-              <a:rPr lang="en-US" dirty="0" smtClean="0"/>
-              <a:t>cash </a:t>
-            </a:r>
-            <a:r>
-              <a:rPr lang="en-US" dirty="0" smtClean="0"/>
-              <a:t>profit</a:t>
-            </a:r>
-          </a:p>
-          <a:p>
-            <a:pPr>
-              <a:buFontTx/>
-              <a:buChar char="-"/>
-            </a:pPr>
-            <a:r>
-              <a:rPr lang="en-US" dirty="0"/>
-              <a:t>Net cash </a:t>
-            </a:r>
-            <a:r>
-              <a:rPr lang="en-US" dirty="0" smtClean="0"/>
-              <a:t>flow operating is a strong predictor </a:t>
-            </a:r>
-            <a:r>
-              <a:rPr lang="en-US" dirty="0"/>
-              <a:t>for positive </a:t>
-            </a:r>
-            <a:r>
-              <a:rPr lang="en-US" dirty="0" smtClean="0"/>
-              <a:t>negative net </a:t>
-            </a:r>
-            <a:r>
-              <a:rPr lang="en-US" dirty="0"/>
-              <a:t>cash </a:t>
-            </a:r>
-            <a:r>
-              <a:rPr lang="en-US" dirty="0" smtClean="0"/>
-              <a:t>profit</a:t>
-            </a:r>
-            <a:endParaRPr lang="en-US" dirty="0" smtClean="0"/>
-          </a:p>
-          <a:p>
-            <a:pPr>
-              <a:buFontTx/>
-              <a:buChar char="-"/>
-            </a:pPr>
-            <a:r>
-              <a:rPr lang="en-US" dirty="0" smtClean="0"/>
-              <a:t> The accuracy of this model </a:t>
-            </a:r>
-            <a:r>
-              <a:rPr lang="en-US" dirty="0" smtClean="0"/>
-              <a:t>has above average balance </a:t>
-            </a:r>
-            <a:r>
-              <a:rPr lang="en-US" dirty="0" smtClean="0"/>
-              <a:t>for both positive and negative net cash flow prediction</a:t>
-            </a:r>
-          </a:p>
-          <a:p>
-            <a:pPr>
-              <a:buFontTx/>
-              <a:buChar char="-"/>
-            </a:pPr>
-            <a:r>
-              <a:rPr lang="en-US" dirty="0" smtClean="0"/>
-              <a:t>This model may result in a very small percentage of companies listed with strong predictions</a:t>
-            </a:r>
-            <a:endParaRPr lang="en-US" dirty="0"/>
-          </a:p>
-        </p:txBody>
-      </p:sp>
-    </p:spTree>
-    <p:extLst>
-      <p:ext uri="{BB962C8B-B14F-4D97-AF65-F5344CB8AC3E}">
-        <p14:creationId xmlns:p14="http://schemas.microsoft.com/office/powerpoint/2010/main" val="855591941"/>
-      </p:ext>
-    </p:extLst>
-  </p:cSld>
-  <p:clrMapOvr>
-    <a:masterClrMapping/>
-  </p:clrMapOvr>
+  <p:timing>
+    <p:tnLst>
+      <p:par>
+        <p:cTn xmlns:p14="http://schemas.microsoft.com/office/powerpoint/2010/main" id="1" dur="indefinite" restart="never" nodeType="tmRoot"/>
+      </p:par>
+    </p:tnLst>
+  </p:timing>
 </p:sld>
 </file>
 
@@ -3758,7 +3874,7 @@
                   </a:schemeClr>
                 </a:solidFill>
               </a:rPr>
-              <a:t>Future Work</a:t>
+              <a:t>Recommendations</a:t>
             </a:r>
             <a:endParaRPr lang="en-US" b="1" dirty="0">
               <a:solidFill>
@@ -3782,104 +3898,106 @@
         </p:nvSpPr>
         <p:spPr>
           <a:xfrm>
-            <a:off x="457200" y="1417638"/>
-            <a:ext cx="8229600" cy="4708525"/>
+            <a:off x="457200" y="1202388"/>
+            <a:ext cx="8229600" cy="5241869"/>
           </a:xfrm>
         </p:spPr>
         <p:txBody>
           <a:bodyPr>
-            <a:normAutofit fontScale="92500"/>
+            <a:normAutofit lnSpcReduction="10000"/>
           </a:bodyPr>
           <a:lstStyle/>
           <a:p>
+            <a:pPr>
+              <a:buFontTx/>
+              <a:buChar char="-"/>
+            </a:pPr>
+            <a:r>
+              <a:rPr lang="en-US" dirty="0" smtClean="0"/>
+              <a:t>Financing and </a:t>
+            </a:r>
+            <a:r>
+              <a:rPr lang="en-US" dirty="0" smtClean="0"/>
+              <a:t>borrowings together with sale and purchase of stock </a:t>
+            </a:r>
+            <a:r>
+              <a:rPr lang="en-US" dirty="0" smtClean="0"/>
+              <a:t>influence the net cash flow.</a:t>
+            </a:r>
             <a:endParaRPr lang="en-US" dirty="0" smtClean="0"/>
           </a:p>
           <a:p>
-            <a:r>
-              <a:rPr lang="en-US" dirty="0" smtClean="0">
-                <a:solidFill>
-                  <a:srgbClr val="7F7F7F"/>
-                </a:solidFill>
-              </a:rPr>
-              <a:t>One day ahead prediction with rolling linear regression</a:t>
-            </a:r>
-          </a:p>
-          <a:p>
-            <a:r>
-              <a:rPr lang="en-US" dirty="0" smtClean="0">
-                <a:solidFill>
-                  <a:srgbClr val="7F7F7F"/>
-                </a:solidFill>
-              </a:rPr>
-              <a:t>Indicator data including for example Momentum and Moving Average </a:t>
-            </a:r>
-            <a:r>
-              <a:rPr lang="en-US" dirty="0" smtClean="0">
-                <a:solidFill>
-                  <a:srgbClr val="7F7F7F"/>
-                </a:solidFill>
-              </a:rPr>
-              <a:t>values on stock price</a:t>
-            </a:r>
-            <a:endParaRPr lang="en-US" dirty="0" smtClean="0">
-              <a:solidFill>
-                <a:srgbClr val="7F7F7F"/>
-              </a:solidFill>
-            </a:endParaRPr>
-          </a:p>
-          <a:p>
-            <a:r>
-              <a:rPr lang="en-US" dirty="0" smtClean="0">
-                <a:solidFill>
-                  <a:srgbClr val="7F7F7F"/>
-                </a:solidFill>
-              </a:rPr>
-              <a:t>Categorizing of </a:t>
-            </a:r>
-            <a:r>
-              <a:rPr lang="en-US" dirty="0" smtClean="0">
-                <a:solidFill>
-                  <a:srgbClr val="7F7F7F"/>
-                </a:solidFill>
-              </a:rPr>
-              <a:t>data / Further classification of companies depending on </a:t>
-            </a:r>
-            <a:r>
-              <a:rPr lang="en-US" dirty="0" smtClean="0">
-                <a:solidFill>
-                  <a:srgbClr val="7F7F7F"/>
-                </a:solidFill>
-              </a:rPr>
-              <a:t>industry</a:t>
-            </a:r>
-          </a:p>
-          <a:p>
-            <a:r>
-              <a:rPr lang="en-US" dirty="0" smtClean="0">
-                <a:solidFill>
-                  <a:srgbClr val="7F7F7F"/>
-                </a:solidFill>
-              </a:rPr>
-              <a:t>Further modeling algorithms on the data to find a stronger predictive performance</a:t>
-            </a:r>
-            <a:endParaRPr lang="en-US" dirty="0">
-              <a:solidFill>
-                <a:srgbClr val="7F7F7F"/>
-              </a:solidFill>
-            </a:endParaRPr>
+            <a:pPr>
+              <a:buFontTx/>
+              <a:buChar char="-"/>
+            </a:pPr>
+            <a:r>
+              <a:rPr lang="en-US" dirty="0" smtClean="0"/>
+              <a:t>Large operating costs can result in a low net cash flow.</a:t>
+            </a:r>
+            <a:endParaRPr lang="en-US" dirty="0" smtClean="0"/>
+          </a:p>
+          <a:p>
+            <a:pPr>
+              <a:buFontTx/>
+              <a:buChar char="-"/>
+            </a:pPr>
+            <a:r>
+              <a:rPr lang="en-US" dirty="0" smtClean="0"/>
+              <a:t>The </a:t>
+            </a:r>
+            <a:r>
+              <a:rPr lang="en-US" dirty="0" smtClean="0"/>
+              <a:t>accuracy of this model </a:t>
+            </a:r>
+            <a:r>
+              <a:rPr lang="en-US" dirty="0" smtClean="0"/>
+              <a:t>has above average balance </a:t>
+            </a:r>
+            <a:r>
+              <a:rPr lang="en-US" dirty="0" smtClean="0"/>
+              <a:t>for both positive and negative net cash flow </a:t>
+            </a:r>
+            <a:r>
+              <a:rPr lang="en-US" dirty="0" smtClean="0"/>
+              <a:t>prediction.</a:t>
+            </a:r>
+            <a:endParaRPr lang="en-US" dirty="0" smtClean="0"/>
+          </a:p>
+          <a:p>
+            <a:pPr>
+              <a:buFontTx/>
+              <a:buChar char="-"/>
+            </a:pPr>
+            <a:r>
+              <a:rPr lang="en-US" dirty="0" smtClean="0"/>
+              <a:t>This model may result in a very small percentage of companies listed with strong </a:t>
+            </a:r>
+            <a:r>
+              <a:rPr lang="en-US" dirty="0" smtClean="0"/>
+              <a:t>predictions.</a:t>
+            </a:r>
+            <a:endParaRPr lang="en-US" dirty="0"/>
           </a:p>
         </p:txBody>
       </p:sp>
     </p:spTree>
     <p:extLst>
       <p:ext uri="{BB962C8B-B14F-4D97-AF65-F5344CB8AC3E}">
-        <p14:creationId xmlns:p14="http://schemas.microsoft.com/office/powerpoint/2010/main" val="1416246338"/>
+        <p14:creationId xmlns:p14="http://schemas.microsoft.com/office/powerpoint/2010/main" val="855591941"/>
       </p:ext>
     </p:extLst>
   </p:cSld>
   <p:clrMapOvr>
     <a:masterClrMapping/>
   </p:clrMapOvr>
+  <p:timing>
+    <p:tnLst>
+      <p:par>
+        <p:cTn xmlns:p14="http://schemas.microsoft.com/office/powerpoint/2010/main" id="1" dur="indefinite" restart="never" nodeType="tmRoot"/>
+      </p:par>
+    </p:tnLst>
+  </p:timing>
 </p:sld>
 </file>
 
@@ -3902,6 +4020,178 @@
       </p:grpSpPr>
       <p:sp>
         <p:nvSpPr>
+          <p:cNvPr id="2" name="Title 1"/>
+          <p:cNvSpPr>
+            <a:spLocks noGrp="1"/>
+          </p:cNvSpPr>
+          <p:nvPr>
+            <p:ph type="title"/>
+          </p:nvPr>
+        </p:nvSpPr>
+        <p:spPr/>
+        <p:txBody>
+          <a:bodyPr/>
+          <a:lstStyle/>
+          <a:p>
+            <a:r>
+              <a:rPr lang="en-US" b="1" dirty="0" smtClean="0">
+                <a:solidFill>
+                  <a:schemeClr val="bg1">
+                    <a:lumMod val="50000"/>
+                  </a:schemeClr>
+                </a:solidFill>
+              </a:rPr>
+              <a:t>Future Work</a:t>
+            </a:r>
+            <a:endParaRPr lang="en-US" b="1" dirty="0">
+              <a:solidFill>
+                <a:schemeClr val="bg1">
+                  <a:lumMod val="50000"/>
+                </a:schemeClr>
+              </a:solidFill>
+            </a:endParaRPr>
+          </a:p>
+        </p:txBody>
+      </p:sp>
+      <p:sp>
+        <p:nvSpPr>
+          <p:cNvPr id="3" name="Content Placeholder 2"/>
+          <p:cNvSpPr>
+            <a:spLocks noGrp="1"/>
+          </p:cNvSpPr>
+          <p:nvPr>
+            <p:ph idx="1"/>
+          </p:nvPr>
+        </p:nvSpPr>
+        <p:spPr>
+          <a:xfrm>
+            <a:off x="457200" y="1417638"/>
+            <a:ext cx="8229600" cy="4708525"/>
+          </a:xfrm>
+        </p:spPr>
+        <p:txBody>
+          <a:bodyPr>
+            <a:normAutofit fontScale="92500"/>
+          </a:bodyPr>
+          <a:lstStyle/>
+          <a:p>
+            <a:endParaRPr lang="en-US" dirty="0" smtClean="0"/>
+          </a:p>
+          <a:p>
+            <a:r>
+              <a:rPr lang="en-US" dirty="0" smtClean="0">
+                <a:solidFill>
+                  <a:srgbClr val="7F7F7F"/>
+                </a:solidFill>
+              </a:rPr>
+              <a:t>One day ahead prediction with rolling linear regression</a:t>
+            </a:r>
+          </a:p>
+          <a:p>
+            <a:r>
+              <a:rPr lang="en-US" dirty="0" smtClean="0">
+                <a:solidFill>
+                  <a:srgbClr val="7F7F7F"/>
+                </a:solidFill>
+              </a:rPr>
+              <a:t>Indicator data including for example Momentum and Moving Average </a:t>
+            </a:r>
+            <a:r>
+              <a:rPr lang="en-US" dirty="0" smtClean="0">
+                <a:solidFill>
+                  <a:srgbClr val="7F7F7F"/>
+                </a:solidFill>
+              </a:rPr>
+              <a:t>values on stock price</a:t>
+            </a:r>
+            <a:endParaRPr lang="en-US" dirty="0" smtClean="0">
+              <a:solidFill>
+                <a:srgbClr val="7F7F7F"/>
+              </a:solidFill>
+            </a:endParaRPr>
+          </a:p>
+          <a:p>
+            <a:r>
+              <a:rPr lang="en-US" dirty="0" smtClean="0">
+                <a:solidFill>
+                  <a:srgbClr val="7F7F7F"/>
+                </a:solidFill>
+              </a:rPr>
+              <a:t>Categorizing of </a:t>
+            </a:r>
+            <a:r>
+              <a:rPr lang="en-US" dirty="0" smtClean="0">
+                <a:solidFill>
+                  <a:srgbClr val="7F7F7F"/>
+                </a:solidFill>
+              </a:rPr>
+              <a:t>data / Further classification of companies depending on </a:t>
+            </a:r>
+            <a:r>
+              <a:rPr lang="en-US" dirty="0" smtClean="0">
+                <a:solidFill>
+                  <a:srgbClr val="7F7F7F"/>
+                </a:solidFill>
+              </a:rPr>
+              <a:t>industry</a:t>
+            </a:r>
+          </a:p>
+          <a:p>
+            <a:r>
+              <a:rPr lang="en-US" dirty="0" smtClean="0">
+                <a:solidFill>
+                  <a:srgbClr val="7F7F7F"/>
+                </a:solidFill>
+              </a:rPr>
+              <a:t>Further modeling algorithms on the data to find a stronger predictive performance</a:t>
+            </a:r>
+            <a:endParaRPr lang="en-US" dirty="0">
+              <a:solidFill>
+                <a:srgbClr val="7F7F7F"/>
+              </a:solidFill>
+            </a:endParaRPr>
+          </a:p>
+        </p:txBody>
+      </p:sp>
+    </p:spTree>
+    <p:extLst>
+      <p:ext uri="{BB962C8B-B14F-4D97-AF65-F5344CB8AC3E}">
+        <p14:creationId xmlns:p14="http://schemas.microsoft.com/office/powerpoint/2010/main" val="1416246338"/>
+      </p:ext>
+    </p:extLst>
+  </p:cSld>
+  <p:clrMapOvr>
+    <a:masterClrMapping/>
+  </p:clrMapOvr>
+  <p:timing>
+    <p:tnLst>
+      <p:par>
+        <p:cTn xmlns:p14="http://schemas.microsoft.com/office/powerpoint/2010/main" id="1" dur="indefinite" restart="never" nodeType="tmRoot"/>
+      </p:par>
+    </p:tnLst>
+  </p:timing>
+</p:sld>
+</file>
+
+<file path=ppt/slides/slide9.xml><?xml version="1.0" encoding="utf-8"?>
+<p:sld xmlns:a="http://schemas.openxmlformats.org/drawingml/2006/main" xmlns:r="http://schemas.openxmlformats.org/officeDocument/2006/relationships" xmlns:p="http://schemas.openxmlformats.org/presentationml/2006/main">
+  <p:cSld>
+    <p:spTree>
+      <p:nvGrpSpPr>
+        <p:cNvPr id="1" name=""/>
+        <p:cNvGrpSpPr/>
+        <p:nvPr/>
+      </p:nvGrpSpPr>
+      <p:grpSpPr>
+        <a:xfrm>
+          <a:off x="0" y="0"/>
+          <a:ext cx="0" cy="0"/>
+          <a:chOff x="0" y="0"/>
+          <a:chExt cx="0" cy="0"/>
+        </a:xfrm>
+      </p:grpSpPr>
+      <p:sp>
+        <p:nvSpPr>
           <p:cNvPr id="3" name="Content Placeholder 2"/>
           <p:cNvSpPr>
             <a:spLocks noGrp="1"/>
@@ -3979,6 +4269,13 @@
   <p:clrMapOvr>
     <a:masterClrMapping/>
   </p:clrMapOvr>
+  <p:timing>
+    <p:tnLst>
+      <p:par>
+        <p:cTn xmlns:p14="http://schemas.microsoft.com/office/powerpoint/2010/main" id="1" dur="indefinite" restart="never" nodeType="tmRoot"/>
+      </p:par>
+    </p:tnLst>
+  </p:timing>
 </p:sld>
 </file>
 

--- a/Project3_B_NonTechnicalPresentation.pptx
+++ b/Project3_B_NonTechnicalPresentation.pptx
@@ -10,10 +10,11 @@
     <p:sldId id="258" r:id="rId4"/>
     <p:sldId id="264" r:id="rId5"/>
     <p:sldId id="260" r:id="rId6"/>
-    <p:sldId id="259" r:id="rId7"/>
-    <p:sldId id="261" r:id="rId8"/>
-    <p:sldId id="262" r:id="rId9"/>
-    <p:sldId id="263" r:id="rId10"/>
+    <p:sldId id="265" r:id="rId7"/>
+    <p:sldId id="259" r:id="rId8"/>
+    <p:sldId id="261" r:id="rId9"/>
+    <p:sldId id="262" r:id="rId10"/>
+    <p:sldId id="263" r:id="rId11"/>
   </p:sldIdLst>
   <p:sldSz cx="9144000" cy="6858000" type="screen4x3"/>
   <p:notesSz cx="6858000" cy="9144000"/>
@@ -296,7 +297,7 @@
           <a:p>
             <a:fld id="{63D89B8C-7320-E246-A418-E12C10D54F44}" type="datetimeFigureOut">
               <a:rPr lang="en-US" smtClean="0"/>
-              <a:t>07/05/20</a:t>
+              <a:t>15/05/20</a:t>
             </a:fld>
             <a:endParaRPr lang="en-US"/>
           </a:p>
@@ -466,7 +467,7 @@
           <a:p>
             <a:fld id="{63D89B8C-7320-E246-A418-E12C10D54F44}" type="datetimeFigureOut">
               <a:rPr lang="en-US" smtClean="0"/>
-              <a:t>07/05/20</a:t>
+              <a:t>15/05/20</a:t>
             </a:fld>
             <a:endParaRPr lang="en-US"/>
           </a:p>
@@ -646,7 +647,7 @@
           <a:p>
             <a:fld id="{63D89B8C-7320-E246-A418-E12C10D54F44}" type="datetimeFigureOut">
               <a:rPr lang="en-US" smtClean="0"/>
-              <a:t>07/05/20</a:t>
+              <a:t>15/05/20</a:t>
             </a:fld>
             <a:endParaRPr lang="en-US"/>
           </a:p>
@@ -816,7 +817,7 @@
           <a:p>
             <a:fld id="{63D89B8C-7320-E246-A418-E12C10D54F44}" type="datetimeFigureOut">
               <a:rPr lang="en-US" smtClean="0"/>
-              <a:t>07/05/20</a:t>
+              <a:t>15/05/20</a:t>
             </a:fld>
             <a:endParaRPr lang="en-US"/>
           </a:p>
@@ -1062,7 +1063,7 @@
           <a:p>
             <a:fld id="{63D89B8C-7320-E246-A418-E12C10D54F44}" type="datetimeFigureOut">
               <a:rPr lang="en-US" smtClean="0"/>
-              <a:t>07/05/20</a:t>
+              <a:t>15/05/20</a:t>
             </a:fld>
             <a:endParaRPr lang="en-US"/>
           </a:p>
@@ -1350,7 +1351,7 @@
           <a:p>
             <a:fld id="{63D89B8C-7320-E246-A418-E12C10D54F44}" type="datetimeFigureOut">
               <a:rPr lang="en-US" smtClean="0"/>
-              <a:t>07/05/20</a:t>
+              <a:t>15/05/20</a:t>
             </a:fld>
             <a:endParaRPr lang="en-US"/>
           </a:p>
@@ -1772,7 +1773,7 @@
           <a:p>
             <a:fld id="{63D89B8C-7320-E246-A418-E12C10D54F44}" type="datetimeFigureOut">
               <a:rPr lang="en-US" smtClean="0"/>
-              <a:t>07/05/20</a:t>
+              <a:t>15/05/20</a:t>
             </a:fld>
             <a:endParaRPr lang="en-US"/>
           </a:p>
@@ -1890,7 +1891,7 @@
           <a:p>
             <a:fld id="{63D89B8C-7320-E246-A418-E12C10D54F44}" type="datetimeFigureOut">
               <a:rPr lang="en-US" smtClean="0"/>
-              <a:t>07/05/20</a:t>
+              <a:t>15/05/20</a:t>
             </a:fld>
             <a:endParaRPr lang="en-US"/>
           </a:p>
@@ -1985,7 +1986,7 @@
           <a:p>
             <a:fld id="{63D89B8C-7320-E246-A418-E12C10D54F44}" type="datetimeFigureOut">
               <a:rPr lang="en-US" smtClean="0"/>
-              <a:t>07/05/20</a:t>
+              <a:t>15/05/20</a:t>
             </a:fld>
             <a:endParaRPr lang="en-US"/>
           </a:p>
@@ -2262,7 +2263,7 @@
           <a:p>
             <a:fld id="{63D89B8C-7320-E246-A418-E12C10D54F44}" type="datetimeFigureOut">
               <a:rPr lang="en-US" smtClean="0"/>
-              <a:t>07/05/20</a:t>
+              <a:t>15/05/20</a:t>
             </a:fld>
             <a:endParaRPr lang="en-US"/>
           </a:p>
@@ -2515,7 +2516,7 @@
           <a:p>
             <a:fld id="{63D89B8C-7320-E246-A418-E12C10D54F44}" type="datetimeFigureOut">
               <a:rPr lang="en-US" smtClean="0"/>
-              <a:t>07/05/20</a:t>
+              <a:t>15/05/20</a:t>
             </a:fld>
             <a:endParaRPr lang="en-US"/>
           </a:p>
@@ -2728,7 +2729,7 @@
           <a:p>
             <a:fld id="{63D89B8C-7320-E246-A418-E12C10D54F44}" type="datetimeFigureOut">
               <a:rPr lang="en-US" smtClean="0"/>
-              <a:t>07/05/20</a:t>
+              <a:t>15/05/20</a:t>
             </a:fld>
             <a:endParaRPr lang="en-US"/>
           </a:p>
@@ -3184,6 +3185,112 @@
 </p:sld>
 </file>
 
+<file path=ppt/slides/slide10.xml><?xml version="1.0" encoding="utf-8"?>
+<p:sld xmlns:a="http://schemas.openxmlformats.org/drawingml/2006/main" xmlns:r="http://schemas.openxmlformats.org/officeDocument/2006/relationships" xmlns:p="http://schemas.openxmlformats.org/presentationml/2006/main">
+  <p:cSld>
+    <p:spTree>
+      <p:nvGrpSpPr>
+        <p:cNvPr id="1" name=""/>
+        <p:cNvGrpSpPr/>
+        <p:nvPr/>
+      </p:nvGrpSpPr>
+      <p:grpSpPr>
+        <a:xfrm>
+          <a:off x="0" y="0"/>
+          <a:ext cx="0" cy="0"/>
+          <a:chOff x="0" y="0"/>
+          <a:chExt cx="0" cy="0"/>
+        </a:xfrm>
+      </p:grpSpPr>
+      <p:sp>
+        <p:nvSpPr>
+          <p:cNvPr id="3" name="Content Placeholder 2"/>
+          <p:cNvSpPr>
+            <a:spLocks noGrp="1"/>
+          </p:cNvSpPr>
+          <p:nvPr>
+            <p:ph idx="1"/>
+          </p:nvPr>
+        </p:nvSpPr>
+        <p:spPr>
+          <a:xfrm>
+            <a:off x="457200" y="945698"/>
+            <a:ext cx="8229600" cy="5180465"/>
+          </a:xfrm>
+        </p:spPr>
+        <p:txBody>
+          <a:bodyPr/>
+          <a:lstStyle/>
+          <a:p>
+            <a:pPr marL="0" indent="0" algn="ctr">
+              <a:buNone/>
+            </a:pPr>
+            <a:endParaRPr lang="en-US" b="1" dirty="0" smtClean="0">
+              <a:latin typeface="Lucida Calligraphy"/>
+              <a:cs typeface="Lucida Calligraphy"/>
+            </a:endParaRPr>
+          </a:p>
+          <a:p>
+            <a:pPr marL="0" indent="0" algn="ctr">
+              <a:buNone/>
+            </a:pPr>
+            <a:endParaRPr lang="en-US" b="1" dirty="0">
+              <a:latin typeface="Lucida Calligraphy"/>
+              <a:cs typeface="Lucida Calligraphy"/>
+            </a:endParaRPr>
+          </a:p>
+          <a:p>
+            <a:pPr marL="0" indent="0" algn="ctr">
+              <a:buNone/>
+            </a:pPr>
+            <a:r>
+              <a:rPr lang="en-US" b="1" dirty="0" smtClean="0">
+                <a:solidFill>
+                  <a:srgbClr val="7F7F7F"/>
+                </a:solidFill>
+                <a:cs typeface="Lucida Calligraphy"/>
+              </a:rPr>
+              <a:t>THANKYOU</a:t>
+            </a:r>
+          </a:p>
+          <a:p>
+            <a:endParaRPr lang="en-US" dirty="0"/>
+          </a:p>
+          <a:p>
+            <a:endParaRPr lang="en-US" dirty="0" smtClean="0"/>
+          </a:p>
+          <a:p>
+            <a:pPr marL="0" indent="0" algn="ctr">
+              <a:buNone/>
+            </a:pPr>
+            <a:r>
+              <a:rPr lang="en-US" sz="1600" dirty="0" smtClean="0"/>
+              <a:t>Presented by Sue Mir  07/May/2019</a:t>
+            </a:r>
+            <a:endParaRPr lang="en-US" sz="1600" dirty="0"/>
+          </a:p>
+        </p:txBody>
+      </p:sp>
+    </p:spTree>
+    <p:extLst>
+      <p:ext uri="{BB962C8B-B14F-4D97-AF65-F5344CB8AC3E}">
+        <p14:creationId xmlns:p14="http://schemas.microsoft.com/office/powerpoint/2010/main" val="3010414932"/>
+      </p:ext>
+    </p:extLst>
+  </p:cSld>
+  <p:clrMapOvr>
+    <a:masterClrMapping/>
+  </p:clrMapOvr>
+  <p:timing>
+    <p:tnLst>
+      <p:par>
+        <p:cTn xmlns:p14="http://schemas.microsoft.com/office/powerpoint/2010/main" id="1" dur="indefinite" restart="never" nodeType="tmRoot"/>
+      </p:par>
+    </p:tnLst>
+  </p:timing>
+</p:sld>
+</file>
+
 <file path=ppt/slides/slide2.xml><?xml version="1.0" encoding="utf-8"?>
 <p:sld xmlns:a="http://schemas.openxmlformats.org/drawingml/2006/main" xmlns:r="http://schemas.openxmlformats.org/officeDocument/2006/relationships" xmlns:p="http://schemas.openxmlformats.org/presentationml/2006/main">
   <p:cSld>
@@ -3317,11 +3424,7 @@
           <a:p>
             <a:r>
               <a:rPr lang="en-US" dirty="0" smtClean="0"/>
-              <a:t>Which features increase predictive power on Positive Net Cash </a:t>
-            </a:r>
-            <a:r>
-              <a:rPr lang="en-US" dirty="0" smtClean="0"/>
-              <a:t>Flow?</a:t>
+              <a:t>Which features increase predictive power on Positive Net Cash Flow?</a:t>
             </a:r>
             <a:endParaRPr lang="en-US" dirty="0"/>
           </a:p>
@@ -3665,15 +3768,7 @@
             </a:r>
             <a:r>
               <a:rPr lang="en-US" sz="2400" dirty="0" smtClean="0"/>
-              <a:t>chance of </a:t>
-            </a:r>
-            <a:r>
-              <a:rPr lang="en-US" sz="2400" dirty="0" smtClean="0"/>
-              <a:t>a correct </a:t>
-            </a:r>
-            <a:r>
-              <a:rPr lang="en-US" sz="2400" dirty="0" smtClean="0"/>
-              <a:t>positive net cash flow 	prediction</a:t>
+              <a:t>chance of a correct positive net cash flow 	prediction</a:t>
             </a:r>
           </a:p>
           <a:p>
@@ -3700,19 +3795,7 @@
             </a:r>
             <a:r>
               <a:rPr lang="en-US" sz="2400" dirty="0" smtClean="0"/>
-              <a:t>chance of a </a:t>
-            </a:r>
-            <a:r>
-              <a:rPr lang="en-US" sz="2400" dirty="0" smtClean="0"/>
-              <a:t>correct negative </a:t>
-            </a:r>
-            <a:r>
-              <a:rPr lang="en-US" sz="2400" dirty="0" smtClean="0"/>
-              <a:t>net cash flow 	</a:t>
-            </a:r>
-            <a:r>
-              <a:rPr lang="en-US" sz="2400" dirty="0" smtClean="0"/>
-              <a:t>prediction</a:t>
+              <a:t>chance of a correct negative net cash flow 	prediction</a:t>
             </a:r>
           </a:p>
         </p:txBody>
@@ -3784,6 +3867,93 @@
           <a:chExt cx="0" cy="0"/>
         </a:xfrm>
       </p:grpSpPr>
+      <p:sp>
+        <p:nvSpPr>
+          <p:cNvPr id="3" name="Content Placeholder 2"/>
+          <p:cNvSpPr>
+            <a:spLocks noGrp="1"/>
+          </p:cNvSpPr>
+          <p:nvPr>
+            <p:ph idx="1"/>
+          </p:nvPr>
+        </p:nvSpPr>
+        <p:spPr>
+          <a:xfrm>
+            <a:off x="457200" y="783578"/>
+            <a:ext cx="8229600" cy="5342585"/>
+          </a:xfrm>
+        </p:spPr>
+        <p:txBody>
+          <a:bodyPr/>
+          <a:lstStyle/>
+          <a:p>
+            <a:r>
+              <a:rPr lang="en-US" dirty="0"/>
+              <a:t>The accuracy of this model has above average balance for both positive and negative net cash flow prediction</a:t>
+            </a:r>
+            <a:r>
+              <a:rPr lang="en-US" dirty="0" smtClean="0"/>
+              <a:t>.</a:t>
+            </a:r>
+          </a:p>
+          <a:p>
+            <a:endParaRPr lang="en-US" dirty="0"/>
+          </a:p>
+          <a:p>
+            <a:r>
+              <a:rPr lang="en-US" dirty="0"/>
+              <a:t>This model may result in a very small percentage of companies </a:t>
+            </a:r>
+            <a:r>
+              <a:rPr lang="en-US" dirty="0" smtClean="0"/>
+              <a:t>with accurate predictions</a:t>
+            </a:r>
+            <a:r>
+              <a:rPr lang="en-US" dirty="0"/>
+              <a:t>.</a:t>
+            </a:r>
+          </a:p>
+          <a:p>
+            <a:pPr marL="0" indent="0">
+              <a:buNone/>
+            </a:pPr>
+            <a:endParaRPr lang="en-US" dirty="0"/>
+          </a:p>
+          <a:p>
+            <a:endParaRPr lang="en-US" dirty="0"/>
+          </a:p>
+        </p:txBody>
+      </p:sp>
+    </p:spTree>
+    <p:extLst>
+      <p:ext uri="{BB962C8B-B14F-4D97-AF65-F5344CB8AC3E}">
+        <p14:creationId xmlns:p14="http://schemas.microsoft.com/office/powerpoint/2010/main" val="430849981"/>
+      </p:ext>
+    </p:extLst>
+  </p:cSld>
+  <p:clrMapOvr>
+    <a:masterClrMapping/>
+  </p:clrMapOvr>
+</p:sld>
+</file>
+
+<file path=ppt/slides/slide7.xml><?xml version="1.0" encoding="utf-8"?>
+<p:sld xmlns:a="http://schemas.openxmlformats.org/drawingml/2006/main" xmlns:r="http://schemas.openxmlformats.org/officeDocument/2006/relationships" xmlns:p="http://schemas.openxmlformats.org/presentationml/2006/main">
+  <p:cSld>
+    <p:spTree>
+      <p:nvGrpSpPr>
+        <p:cNvPr id="1" name=""/>
+        <p:cNvGrpSpPr/>
+        <p:nvPr/>
+      </p:nvGrpSpPr>
+      <p:grpSpPr>
+        <a:xfrm>
+          <a:off x="0" y="0"/>
+          <a:ext cx="0" cy="0"/>
+          <a:chOff x="0" y="0"/>
+          <a:chExt cx="0" cy="0"/>
+        </a:xfrm>
+      </p:grpSpPr>
       <p:pic>
         <p:nvPicPr>
           <p:cNvPr id="3" name="Content Placeholder 2" descr="Screen Shot 2020-05-11 at 19.23.53.png"/>
@@ -3834,173 +4004,6 @@
 </p:sld>
 </file>
 
-<file path=ppt/slides/slide7.xml><?xml version="1.0" encoding="utf-8"?>
-<p:sld xmlns:a="http://schemas.openxmlformats.org/drawingml/2006/main" xmlns:r="http://schemas.openxmlformats.org/officeDocument/2006/relationships" xmlns:p="http://schemas.openxmlformats.org/presentationml/2006/main">
-  <p:cSld>
-    <p:spTree>
-      <p:nvGrpSpPr>
-        <p:cNvPr id="1" name=""/>
-        <p:cNvGrpSpPr/>
-        <p:nvPr/>
-      </p:nvGrpSpPr>
-      <p:grpSpPr>
-        <a:xfrm>
-          <a:off x="0" y="0"/>
-          <a:ext cx="0" cy="0"/>
-          <a:chOff x="0" y="0"/>
-          <a:chExt cx="0" cy="0"/>
-        </a:xfrm>
-      </p:grpSpPr>
-      <p:sp>
-        <p:nvSpPr>
-          <p:cNvPr id="2" name="Title 1"/>
-          <p:cNvSpPr>
-            <a:spLocks noGrp="1"/>
-          </p:cNvSpPr>
-          <p:nvPr>
-            <p:ph type="title"/>
-          </p:nvPr>
-        </p:nvSpPr>
-        <p:spPr/>
-        <p:txBody>
-          <a:bodyPr/>
-          <a:lstStyle/>
-          <a:p>
-            <a:r>
-              <a:rPr lang="en-US" b="1" dirty="0" smtClean="0">
-                <a:solidFill>
-                  <a:schemeClr val="bg1">
-                    <a:lumMod val="50000"/>
-                  </a:schemeClr>
-                </a:solidFill>
-              </a:rPr>
-              <a:t>Recommendations</a:t>
-            </a:r>
-            <a:endParaRPr lang="en-US" b="1" dirty="0">
-              <a:solidFill>
-                <a:schemeClr val="bg1">
-                  <a:lumMod val="50000"/>
-                </a:schemeClr>
-              </a:solidFill>
-            </a:endParaRPr>
-          </a:p>
-        </p:txBody>
-      </p:sp>
-      <p:sp>
-        <p:nvSpPr>
-          <p:cNvPr id="3" name="Content Placeholder 2"/>
-          <p:cNvSpPr>
-            <a:spLocks noGrp="1"/>
-          </p:cNvSpPr>
-          <p:nvPr>
-            <p:ph idx="1"/>
-          </p:nvPr>
-        </p:nvSpPr>
-        <p:spPr>
-          <a:xfrm>
-            <a:off x="457200" y="1202388"/>
-            <a:ext cx="8229600" cy="5241869"/>
-          </a:xfrm>
-        </p:spPr>
-        <p:txBody>
-          <a:bodyPr>
-            <a:normAutofit lnSpcReduction="10000"/>
-          </a:bodyPr>
-          <a:lstStyle/>
-          <a:p>
-            <a:pPr>
-              <a:buFontTx/>
-              <a:buChar char="-"/>
-            </a:pPr>
-            <a:r>
-              <a:rPr lang="en-US" dirty="0" smtClean="0"/>
-              <a:t>Financing and </a:t>
-            </a:r>
-            <a:r>
-              <a:rPr lang="en-US" dirty="0" smtClean="0"/>
-              <a:t>borrowings together with sale and purchase of stock </a:t>
-            </a:r>
-            <a:r>
-              <a:rPr lang="en-US" dirty="0" smtClean="0"/>
-              <a:t>influence the net cash flow.</a:t>
-            </a:r>
-            <a:endParaRPr lang="en-US" dirty="0" smtClean="0"/>
-          </a:p>
-          <a:p>
-            <a:pPr>
-              <a:buFontTx/>
-              <a:buChar char="-"/>
-            </a:pPr>
-            <a:r>
-              <a:rPr lang="en-US" dirty="0" smtClean="0"/>
-              <a:t>Large operating costs can result in a low net cash flow.</a:t>
-            </a:r>
-            <a:endParaRPr lang="en-US" dirty="0" smtClean="0"/>
-          </a:p>
-          <a:p>
-            <a:pPr>
-              <a:buFontTx/>
-              <a:buChar char="-"/>
-            </a:pPr>
-            <a:r>
-              <a:rPr lang="en-US" dirty="0" smtClean="0"/>
-              <a:t>The </a:t>
-            </a:r>
-            <a:r>
-              <a:rPr lang="en-US" dirty="0" smtClean="0"/>
-              <a:t>accuracy of this model </a:t>
-            </a:r>
-            <a:r>
-              <a:rPr lang="en-US" dirty="0" smtClean="0"/>
-              <a:t>has above average balance </a:t>
-            </a:r>
-            <a:r>
-              <a:rPr lang="en-US" dirty="0" smtClean="0"/>
-              <a:t>for both positive and negative net cash flow </a:t>
-            </a:r>
-            <a:r>
-              <a:rPr lang="en-US" dirty="0" smtClean="0"/>
-              <a:t>prediction.</a:t>
-            </a:r>
-            <a:endParaRPr lang="en-US" dirty="0" smtClean="0"/>
-          </a:p>
-          <a:p>
-            <a:pPr>
-              <a:buFontTx/>
-              <a:buChar char="-"/>
-            </a:pPr>
-            <a:r>
-              <a:rPr lang="en-US" dirty="0" smtClean="0"/>
-              <a:t>This model may result in a very small percentage of companies listed with strong </a:t>
-            </a:r>
-            <a:r>
-              <a:rPr lang="en-US" dirty="0" smtClean="0"/>
-              <a:t>predictions.</a:t>
-            </a:r>
-            <a:endParaRPr lang="en-US" dirty="0"/>
-          </a:p>
-        </p:txBody>
-      </p:sp>
-    </p:spTree>
-    <p:extLst>
-      <p:ext uri="{BB962C8B-B14F-4D97-AF65-F5344CB8AC3E}">
-        <p14:creationId xmlns:p14="http://schemas.microsoft.com/office/powerpoint/2010/main" val="855591941"/>
-      </p:ext>
-    </p:extLst>
-  </p:cSld>
-  <p:clrMapOvr>
-    <a:masterClrMapping/>
-  </p:clrMapOvr>
-  <p:timing>
-    <p:tnLst>
-      <p:par>
-        <p:cTn xmlns:p14="http://schemas.microsoft.com/office/powerpoint/2010/main" id="1" dur="indefinite" restart="never" nodeType="tmRoot"/>
-      </p:par>
-    </p:tnLst>
-  </p:timing>
-</p:sld>
-</file>
-
 <file path=ppt/slides/slide8.xml><?xml version="1.0" encoding="utf-8"?>
 <p:sld xmlns:a="http://schemas.openxmlformats.org/drawingml/2006/main" xmlns:r="http://schemas.openxmlformats.org/officeDocument/2006/relationships" xmlns:p="http://schemas.openxmlformats.org/presentationml/2006/main">
   <p:cSld>
@@ -4041,7 +4044,7 @@
                   </a:schemeClr>
                 </a:solidFill>
               </a:rPr>
-              <a:t>Future Work</a:t>
+              <a:t>Recommendations</a:t>
             </a:r>
             <a:endParaRPr lang="en-US" b="1" dirty="0">
               <a:solidFill>
@@ -4065,98 +4068,74 @@
         </p:nvSpPr>
         <p:spPr>
           <a:xfrm>
-            <a:off x="457200" y="1417638"/>
-            <a:ext cx="8229600" cy="4708525"/>
+            <a:off x="457200" y="1553647"/>
+            <a:ext cx="8229600" cy="4890610"/>
           </a:xfrm>
         </p:spPr>
         <p:txBody>
           <a:bodyPr>
-            <a:normAutofit fontScale="92500"/>
+            <a:normAutofit/>
           </a:bodyPr>
           <a:lstStyle/>
           <a:p>
+            <a:pPr>
+              <a:buFontTx/>
+              <a:buChar char="-"/>
+            </a:pPr>
+            <a:r>
+              <a:rPr lang="en-US" dirty="0" smtClean="0"/>
+              <a:t>Focus on increasing </a:t>
+            </a:r>
+            <a:r>
+              <a:rPr lang="en-US" dirty="0" smtClean="0"/>
+              <a:t>sales ratio to </a:t>
+            </a:r>
+            <a:r>
+              <a:rPr lang="en-US" dirty="0" smtClean="0"/>
+              <a:t>purchase of </a:t>
+            </a:r>
+            <a:r>
+              <a:rPr lang="en-US" dirty="0" smtClean="0"/>
+              <a:t>stock.</a:t>
+            </a:r>
+          </a:p>
+          <a:p>
+            <a:pPr>
+              <a:buFontTx/>
+              <a:buChar char="-"/>
+            </a:pPr>
+            <a:r>
+              <a:rPr lang="en-US" dirty="0" smtClean="0"/>
+              <a:t>Ensure financing and borrowing have a relative balance to liabilities and cash.</a:t>
+            </a:r>
+          </a:p>
+          <a:p>
+            <a:pPr>
+              <a:buFontTx/>
+              <a:buChar char="-"/>
+            </a:pPr>
+            <a:r>
+              <a:rPr lang="en-US" dirty="0" smtClean="0"/>
+              <a:t>Decrease operating costs.</a:t>
+            </a:r>
+          </a:p>
+          <a:p>
+            <a:pPr>
+              <a:buFontTx/>
+              <a:buChar char="-"/>
+            </a:pPr>
+            <a:r>
+              <a:rPr lang="en-US" dirty="0" smtClean="0"/>
+              <a:t>A strong $US exchange rate will effect positive net cash flow balance.</a:t>
+            </a:r>
             <a:endParaRPr lang="en-US" dirty="0" smtClean="0"/>
-          </a:p>
-          <a:p>
-            <a:r>
-              <a:rPr lang="en-US" dirty="0" smtClean="0">
-                <a:solidFill>
-                  <a:srgbClr val="7F7F7F"/>
-                </a:solidFill>
-              </a:rPr>
-              <a:t>One day ahead prediction with rolling linear regression</a:t>
-            </a:r>
-          </a:p>
-          <a:p>
-            <a:r>
-              <a:rPr lang="en-US" dirty="0" smtClean="0">
-                <a:solidFill>
-                  <a:srgbClr val="7F7F7F"/>
-                </a:solidFill>
-              </a:rPr>
-              <a:t>Indicator data including for example Momentum and Moving Average </a:t>
-            </a:r>
-            <a:r>
-              <a:rPr lang="en-US" dirty="0" smtClean="0">
-                <a:solidFill>
-                  <a:srgbClr val="7F7F7F"/>
-                </a:solidFill>
-              </a:rPr>
-              <a:t>values on stock price</a:t>
-            </a:r>
-            <a:endParaRPr lang="en-US" dirty="0" smtClean="0">
-              <a:solidFill>
-                <a:srgbClr val="7F7F7F"/>
-              </a:solidFill>
-            </a:endParaRPr>
-          </a:p>
-          <a:p>
-            <a:r>
-              <a:rPr lang="en-US" dirty="0" smtClean="0">
-                <a:solidFill>
-                  <a:srgbClr val="7F7F7F"/>
-                </a:solidFill>
-              </a:rPr>
-              <a:t>Categorizing of </a:t>
-            </a:r>
-            <a:r>
-              <a:rPr lang="en-US" dirty="0" smtClean="0">
-                <a:solidFill>
-                  <a:srgbClr val="7F7F7F"/>
-                </a:solidFill>
-              </a:rPr>
-              <a:t>data / Further classification of companies depending on </a:t>
-            </a:r>
-            <a:r>
-              <a:rPr lang="en-US" dirty="0" smtClean="0">
-                <a:solidFill>
-                  <a:srgbClr val="7F7F7F"/>
-                </a:solidFill>
-              </a:rPr>
-              <a:t>industry</a:t>
-            </a:r>
-          </a:p>
-          <a:p>
-            <a:r>
-              <a:rPr lang="en-US" dirty="0" smtClean="0">
-                <a:solidFill>
-                  <a:srgbClr val="7F7F7F"/>
-                </a:solidFill>
-              </a:rPr>
-              <a:t>Further modeling algorithms on the data to find a stronger predictive performance</a:t>
-            </a:r>
-            <a:endParaRPr lang="en-US" dirty="0">
-              <a:solidFill>
-                <a:srgbClr val="7F7F7F"/>
-              </a:solidFill>
-            </a:endParaRPr>
           </a:p>
         </p:txBody>
       </p:sp>
     </p:spTree>
     <p:extLst>
       <p:ext uri="{BB962C8B-B14F-4D97-AF65-F5344CB8AC3E}">
-        <p14:creationId xmlns:p14="http://schemas.microsoft.com/office/powerpoint/2010/main" val="1416246338"/>
+        <p14:creationId xmlns:p14="http://schemas.microsoft.com/office/powerpoint/2010/main" val="855591941"/>
       </p:ext>
     </p:extLst>
   </p:cSld>
@@ -4192,6 +4171,41 @@
       </p:grpSpPr>
       <p:sp>
         <p:nvSpPr>
+          <p:cNvPr id="2" name="Title 1"/>
+          <p:cNvSpPr>
+            <a:spLocks noGrp="1"/>
+          </p:cNvSpPr>
+          <p:nvPr>
+            <p:ph type="title"/>
+          </p:nvPr>
+        </p:nvSpPr>
+        <p:spPr/>
+        <p:txBody>
+          <a:bodyPr/>
+          <a:lstStyle/>
+          <a:p>
+            <a:r>
+              <a:rPr lang="en-US" b="1" dirty="0" smtClean="0">
+                <a:solidFill>
+                  <a:schemeClr val="bg1">
+                    <a:lumMod val="50000"/>
+                  </a:schemeClr>
+                </a:solidFill>
+              </a:rPr>
+              <a:t>Future Work</a:t>
+            </a:r>
+            <a:endParaRPr lang="en-US" b="1" dirty="0">
+              <a:solidFill>
+                <a:schemeClr val="bg1">
+                  <a:lumMod val="50000"/>
+                </a:schemeClr>
+              </a:solidFill>
+            </a:endParaRPr>
+          </a:p>
+        </p:txBody>
+      </p:sp>
+      <p:sp>
+        <p:nvSpPr>
           <p:cNvPr id="3" name="Content Placeholder 2"/>
           <p:cNvSpPr>
             <a:spLocks noGrp="1"/>
@@ -4202,67 +4216,69 @@
         </p:nvSpPr>
         <p:spPr>
           <a:xfrm>
-            <a:off x="457200" y="945698"/>
-            <a:ext cx="8229600" cy="5180465"/>
+            <a:off x="457200" y="1417638"/>
+            <a:ext cx="8229600" cy="4708525"/>
           </a:xfrm>
         </p:spPr>
         <p:txBody>
-          <a:bodyPr/>
-          <a:lstStyle/>
-          <a:p>
-            <a:pPr marL="0" indent="0" algn="ctr">
-              <a:buNone/>
-            </a:pPr>
-            <a:endParaRPr lang="en-US" b="1" dirty="0" smtClean="0">
-              <a:latin typeface="Lucida Calligraphy"/>
-              <a:cs typeface="Lucida Calligraphy"/>
-            </a:endParaRPr>
-          </a:p>
-          <a:p>
-            <a:pPr marL="0" indent="0" algn="ctr">
-              <a:buNone/>
-            </a:pPr>
-            <a:endParaRPr lang="en-US" b="1" dirty="0">
-              <a:latin typeface="Lucida Calligraphy"/>
-              <a:cs typeface="Lucida Calligraphy"/>
-            </a:endParaRPr>
-          </a:p>
-          <a:p>
-            <a:pPr marL="0" indent="0" algn="ctr">
-              <a:buNone/>
-            </a:pPr>
-            <a:r>
-              <a:rPr lang="en-US" b="1" dirty="0" smtClean="0">
+          <a:bodyPr>
+            <a:normAutofit fontScale="92500"/>
+          </a:bodyPr>
+          <a:lstStyle/>
+          <a:p>
+            <a:endParaRPr lang="en-US" dirty="0" smtClean="0"/>
+          </a:p>
+          <a:p>
+            <a:r>
+              <a:rPr lang="en-US" dirty="0" smtClean="0">
                 <a:solidFill>
                   <a:srgbClr val="7F7F7F"/>
                 </a:solidFill>
-                <a:cs typeface="Lucida Calligraphy"/>
               </a:rPr>
-              <a:t>THANKYOU</a:t>
-            </a:r>
-          </a:p>
-          <a:p>
-            <a:endParaRPr lang="en-US" dirty="0"/>
-          </a:p>
-          <a:p>
-            <a:endParaRPr lang="en-US" dirty="0" smtClean="0"/>
-          </a:p>
-          <a:p>
-            <a:pPr marL="0" indent="0" algn="ctr">
-              <a:buNone/>
-            </a:pPr>
-            <a:r>
-              <a:rPr lang="en-US" sz="1600" dirty="0" smtClean="0"/>
-              <a:t>Presented by Sue Mir  07/May/2019</a:t>
-            </a:r>
-            <a:endParaRPr lang="en-US" sz="1600" dirty="0"/>
+              <a:t>One day ahead prediction with rolling linear regression</a:t>
+            </a:r>
+          </a:p>
+          <a:p>
+            <a:r>
+              <a:rPr lang="en-US" dirty="0" smtClean="0">
+                <a:solidFill>
+                  <a:srgbClr val="7F7F7F"/>
+                </a:solidFill>
+              </a:rPr>
+              <a:t>Indicator data including for example Momentum and Moving Average values on stock price</a:t>
+            </a:r>
+          </a:p>
+          <a:p>
+            <a:r>
+              <a:rPr lang="en-US" dirty="0" smtClean="0">
+                <a:solidFill>
+                  <a:srgbClr val="7F7F7F"/>
+                </a:solidFill>
+              </a:rPr>
+              <a:t>Categorizing of data / Further classification of companies depending on industry</a:t>
+            </a:r>
+          </a:p>
+          <a:p>
+            <a:r>
+              <a:rPr lang="en-US" dirty="0" smtClean="0">
+                <a:solidFill>
+                  <a:srgbClr val="7F7F7F"/>
+                </a:solidFill>
+              </a:rPr>
+              <a:t>Further modeling algorithms on the data to find a stronger predictive performance</a:t>
+            </a:r>
+            <a:endParaRPr lang="en-US" dirty="0">
+              <a:solidFill>
+                <a:srgbClr val="7F7F7F"/>
+              </a:solidFill>
+            </a:endParaRPr>
           </a:p>
         </p:txBody>
       </p:sp>
     </p:spTree>
     <p:extLst>
       <p:ext uri="{BB962C8B-B14F-4D97-AF65-F5344CB8AC3E}">
-        <p14:creationId xmlns:p14="http://schemas.microsoft.com/office/powerpoint/2010/main" val="3010414932"/>
+        <p14:creationId xmlns:p14="http://schemas.microsoft.com/office/powerpoint/2010/main" val="1416246338"/>
       </p:ext>
     </p:extLst>
   </p:cSld>
